--- a/개꼴리는 심민준팀(10811,10814,10817,10827).pptx
+++ b/개꼴리는 심민준팀(10811,10814,10817,10827).pptx
@@ -5,20 +5,21 @@
     <p:sldMasterId id="2147483659" r:id="rId1"/>
   </p:sldMasterIdLst>
   <p:notesMasterIdLst>
-    <p:notesMasterId r:id="rId13"/>
+    <p:notesMasterId r:id="rId14"/>
   </p:notesMasterIdLst>
   <p:sldIdLst>
     <p:sldId id="256" r:id="rId2"/>
-    <p:sldId id="263" r:id="rId3"/>
-    <p:sldId id="264" r:id="rId4"/>
-    <p:sldId id="257" r:id="rId5"/>
-    <p:sldId id="258" r:id="rId6"/>
-    <p:sldId id="259" r:id="rId7"/>
-    <p:sldId id="260" r:id="rId8"/>
-    <p:sldId id="261" r:id="rId9"/>
-    <p:sldId id="262" r:id="rId10"/>
-    <p:sldId id="265" r:id="rId11"/>
-    <p:sldId id="266" r:id="rId12"/>
+    <p:sldId id="267" r:id="rId3"/>
+    <p:sldId id="263" r:id="rId4"/>
+    <p:sldId id="264" r:id="rId5"/>
+    <p:sldId id="257" r:id="rId6"/>
+    <p:sldId id="258" r:id="rId7"/>
+    <p:sldId id="259" r:id="rId8"/>
+    <p:sldId id="260" r:id="rId9"/>
+    <p:sldId id="261" r:id="rId10"/>
+    <p:sldId id="262" r:id="rId11"/>
+    <p:sldId id="265" r:id="rId12"/>
+    <p:sldId id="266" r:id="rId13"/>
   </p:sldIdLst>
   <p:sldSz cx="9144000" cy="5143500" type="screen16x9"/>
   <p:notesSz cx="6858000" cy="9144000"/>
@@ -1829,370 +1830,6 @@
 </file>
 
 <file path=ppt/slideLayouts/slideLayout10.xml><?xml version="1.0" encoding="utf-8"?>
-<p:sldLayout xmlns:a="http://schemas.openxmlformats.org/drawingml/2006/main" xmlns:r="http://schemas.openxmlformats.org/officeDocument/2006/relationships" xmlns:p="http://schemas.openxmlformats.org/presentationml/2006/main" matchingName="Big number">
-  <p:cSld name="BIG_NUMBER">
-    <p:spTree>
-      <p:nvGrpSpPr>
-        <p:cNvPr id="1" name="Shape 44"/>
-        <p:cNvGrpSpPr/>
-        <p:nvPr/>
-      </p:nvGrpSpPr>
-      <p:grpSpPr>
-        <a:xfrm>
-          <a:off x="0" y="0"/>
-          <a:ext cx="0" cy="0"/>
-          <a:chOff x="0" y="0"/>
-          <a:chExt cx="0" cy="0"/>
-        </a:xfrm>
-      </p:grpSpPr>
-      <p:sp>
-        <p:nvSpPr>
-          <p:cNvPr id="45" name="Google Shape;45;p11"/>
-          <p:cNvSpPr txBox="1">
-            <a:spLocks noGrp="1"/>
-          </p:cNvSpPr>
-          <p:nvPr>
-            <p:ph type="title" hasCustomPrompt="1"/>
-          </p:nvPr>
-        </p:nvSpPr>
-        <p:spPr>
-          <a:xfrm>
-            <a:off x="311700" y="1106125"/>
-            <a:ext cx="8520600" cy="1963500"/>
-          </a:xfrm>
-          <a:prstGeom prst="rect">
-            <a:avLst/>
-          </a:prstGeom>
-        </p:spPr>
-        <p:txBody>
-          <a:bodyPr spcFirstLastPara="1" wrap="square" lIns="91425" tIns="91425" rIns="91425" bIns="91425" anchor="b" anchorCtr="0">
-            <a:normAutofit/>
-          </a:bodyPr>
-          <a:lstStyle>
-            <a:lvl1pPr lvl="0" algn="ctr">
-              <a:spcBef>
-                <a:spcPts val="0"/>
-              </a:spcBef>
-              <a:spcAft>
-                <a:spcPts val="0"/>
-              </a:spcAft>
-              <a:buSzPts val="12000"/>
-              <a:buNone/>
-              <a:defRPr sz="12000"/>
-            </a:lvl1pPr>
-            <a:lvl2pPr lvl="1" algn="ctr">
-              <a:spcBef>
-                <a:spcPts val="0"/>
-              </a:spcBef>
-              <a:spcAft>
-                <a:spcPts val="0"/>
-              </a:spcAft>
-              <a:buSzPts val="12000"/>
-              <a:buNone/>
-              <a:defRPr sz="12000"/>
-            </a:lvl2pPr>
-            <a:lvl3pPr lvl="2" algn="ctr">
-              <a:spcBef>
-                <a:spcPts val="0"/>
-              </a:spcBef>
-              <a:spcAft>
-                <a:spcPts val="0"/>
-              </a:spcAft>
-              <a:buSzPts val="12000"/>
-              <a:buNone/>
-              <a:defRPr sz="12000"/>
-            </a:lvl3pPr>
-            <a:lvl4pPr lvl="3" algn="ctr">
-              <a:spcBef>
-                <a:spcPts val="0"/>
-              </a:spcBef>
-              <a:spcAft>
-                <a:spcPts val="0"/>
-              </a:spcAft>
-              <a:buSzPts val="12000"/>
-              <a:buNone/>
-              <a:defRPr sz="12000"/>
-            </a:lvl4pPr>
-            <a:lvl5pPr lvl="4" algn="ctr">
-              <a:spcBef>
-                <a:spcPts val="0"/>
-              </a:spcBef>
-              <a:spcAft>
-                <a:spcPts val="0"/>
-              </a:spcAft>
-              <a:buSzPts val="12000"/>
-              <a:buNone/>
-              <a:defRPr sz="12000"/>
-            </a:lvl5pPr>
-            <a:lvl6pPr lvl="5" algn="ctr">
-              <a:spcBef>
-                <a:spcPts val="0"/>
-              </a:spcBef>
-              <a:spcAft>
-                <a:spcPts val="0"/>
-              </a:spcAft>
-              <a:buSzPts val="12000"/>
-              <a:buNone/>
-              <a:defRPr sz="12000"/>
-            </a:lvl6pPr>
-            <a:lvl7pPr lvl="6" algn="ctr">
-              <a:spcBef>
-                <a:spcPts val="0"/>
-              </a:spcBef>
-              <a:spcAft>
-                <a:spcPts val="0"/>
-              </a:spcAft>
-              <a:buSzPts val="12000"/>
-              <a:buNone/>
-              <a:defRPr sz="12000"/>
-            </a:lvl7pPr>
-            <a:lvl8pPr lvl="7" algn="ctr">
-              <a:spcBef>
-                <a:spcPts val="0"/>
-              </a:spcBef>
-              <a:spcAft>
-                <a:spcPts val="0"/>
-              </a:spcAft>
-              <a:buSzPts val="12000"/>
-              <a:buNone/>
-              <a:defRPr sz="12000"/>
-            </a:lvl8pPr>
-            <a:lvl9pPr lvl="8" algn="ctr">
-              <a:spcBef>
-                <a:spcPts val="0"/>
-              </a:spcBef>
-              <a:spcAft>
-                <a:spcPts val="0"/>
-              </a:spcAft>
-              <a:buSzPts val="12000"/>
-              <a:buNone/>
-              <a:defRPr sz="12000"/>
-            </a:lvl9pPr>
-          </a:lstStyle>
-          <a:p>
-            <a:r>
-              <a:t>xx%</a:t>
-            </a:r>
-          </a:p>
-        </p:txBody>
-      </p:sp>
-      <p:sp>
-        <p:nvSpPr>
-          <p:cNvPr id="46" name="Google Shape;46;p11"/>
-          <p:cNvSpPr txBox="1">
-            <a:spLocks noGrp="1"/>
-          </p:cNvSpPr>
-          <p:nvPr>
-            <p:ph type="body" idx="1"/>
-          </p:nvPr>
-        </p:nvSpPr>
-        <p:spPr>
-          <a:xfrm>
-            <a:off x="311700" y="3152225"/>
-            <a:ext cx="8520600" cy="1300800"/>
-          </a:xfrm>
-          <a:prstGeom prst="rect">
-            <a:avLst/>
-          </a:prstGeom>
-        </p:spPr>
-        <p:txBody>
-          <a:bodyPr spcFirstLastPara="1" wrap="square" lIns="91425" tIns="91425" rIns="91425" bIns="91425" anchor="t" anchorCtr="0">
-            <a:normAutofit/>
-          </a:bodyPr>
-          <a:lstStyle>
-            <a:lvl1pPr marL="457200" lvl="0" indent="-342900" algn="ctr">
-              <a:spcBef>
-                <a:spcPts val="0"/>
-              </a:spcBef>
-              <a:spcAft>
-                <a:spcPts val="0"/>
-              </a:spcAft>
-              <a:buSzPts val="1800"/>
-              <a:buChar char="●"/>
-              <a:defRPr/>
-            </a:lvl1pPr>
-            <a:lvl2pPr marL="914400" lvl="1" indent="-317500" algn="ctr">
-              <a:spcBef>
-                <a:spcPts val="0"/>
-              </a:spcBef>
-              <a:spcAft>
-                <a:spcPts val="0"/>
-              </a:spcAft>
-              <a:buSzPts val="1400"/>
-              <a:buChar char="○"/>
-              <a:defRPr/>
-            </a:lvl2pPr>
-            <a:lvl3pPr marL="1371600" lvl="2" indent="-317500" algn="ctr">
-              <a:spcBef>
-                <a:spcPts val="0"/>
-              </a:spcBef>
-              <a:spcAft>
-                <a:spcPts val="0"/>
-              </a:spcAft>
-              <a:buSzPts val="1400"/>
-              <a:buChar char="■"/>
-              <a:defRPr/>
-            </a:lvl3pPr>
-            <a:lvl4pPr marL="1828800" lvl="3" indent="-317500" algn="ctr">
-              <a:spcBef>
-                <a:spcPts val="0"/>
-              </a:spcBef>
-              <a:spcAft>
-                <a:spcPts val="0"/>
-              </a:spcAft>
-              <a:buSzPts val="1400"/>
-              <a:buChar char="●"/>
-              <a:defRPr/>
-            </a:lvl4pPr>
-            <a:lvl5pPr marL="2286000" lvl="4" indent="-317500" algn="ctr">
-              <a:spcBef>
-                <a:spcPts val="0"/>
-              </a:spcBef>
-              <a:spcAft>
-                <a:spcPts val="0"/>
-              </a:spcAft>
-              <a:buSzPts val="1400"/>
-              <a:buChar char="○"/>
-              <a:defRPr/>
-            </a:lvl5pPr>
-            <a:lvl6pPr marL="2743200" lvl="5" indent="-317500" algn="ctr">
-              <a:spcBef>
-                <a:spcPts val="0"/>
-              </a:spcBef>
-              <a:spcAft>
-                <a:spcPts val="0"/>
-              </a:spcAft>
-              <a:buSzPts val="1400"/>
-              <a:buChar char="■"/>
-              <a:defRPr/>
-            </a:lvl6pPr>
-            <a:lvl7pPr marL="3200400" lvl="6" indent="-317500" algn="ctr">
-              <a:spcBef>
-                <a:spcPts val="0"/>
-              </a:spcBef>
-              <a:spcAft>
-                <a:spcPts val="0"/>
-              </a:spcAft>
-              <a:buSzPts val="1400"/>
-              <a:buChar char="●"/>
-              <a:defRPr/>
-            </a:lvl7pPr>
-            <a:lvl8pPr marL="3657600" lvl="7" indent="-317500" algn="ctr">
-              <a:spcBef>
-                <a:spcPts val="0"/>
-              </a:spcBef>
-              <a:spcAft>
-                <a:spcPts val="0"/>
-              </a:spcAft>
-              <a:buSzPts val="1400"/>
-              <a:buChar char="○"/>
-              <a:defRPr/>
-            </a:lvl8pPr>
-            <a:lvl9pPr marL="4114800" lvl="8" indent="-317500" algn="ctr">
-              <a:spcBef>
-                <a:spcPts val="0"/>
-              </a:spcBef>
-              <a:spcAft>
-                <a:spcPts val="0"/>
-              </a:spcAft>
-              <a:buSzPts val="1400"/>
-              <a:buChar char="■"/>
-              <a:defRPr/>
-            </a:lvl9pPr>
-          </a:lstStyle>
-          <a:p>
-            <a:endParaRPr/>
-          </a:p>
-        </p:txBody>
-      </p:sp>
-      <p:sp>
-        <p:nvSpPr>
-          <p:cNvPr id="47" name="Google Shape;47;p11"/>
-          <p:cNvSpPr txBox="1">
-            <a:spLocks noGrp="1"/>
-          </p:cNvSpPr>
-          <p:nvPr>
-            <p:ph type="sldNum" idx="12"/>
-          </p:nvPr>
-        </p:nvSpPr>
-        <p:spPr>
-          <a:xfrm>
-            <a:off x="8472458" y="4663217"/>
-            <a:ext cx="548700" cy="393600"/>
-          </a:xfrm>
-          <a:prstGeom prst="rect">
-            <a:avLst/>
-          </a:prstGeom>
-        </p:spPr>
-        <p:txBody>
-          <a:bodyPr spcFirstLastPara="1" wrap="square" lIns="91425" tIns="91425" rIns="91425" bIns="91425" anchor="ctr" anchorCtr="0">
-            <a:normAutofit/>
-          </a:bodyPr>
-          <a:lstStyle>
-            <a:lvl1pPr lvl="0">
-              <a:buNone/>
-              <a:defRPr/>
-            </a:lvl1pPr>
-            <a:lvl2pPr lvl="1">
-              <a:buNone/>
-              <a:defRPr/>
-            </a:lvl2pPr>
-            <a:lvl3pPr lvl="2">
-              <a:buNone/>
-              <a:defRPr/>
-            </a:lvl3pPr>
-            <a:lvl4pPr lvl="3">
-              <a:buNone/>
-              <a:defRPr/>
-            </a:lvl4pPr>
-            <a:lvl5pPr lvl="4">
-              <a:buNone/>
-              <a:defRPr/>
-            </a:lvl5pPr>
-            <a:lvl6pPr lvl="5">
-              <a:buNone/>
-              <a:defRPr/>
-            </a:lvl6pPr>
-            <a:lvl7pPr lvl="6">
-              <a:buNone/>
-              <a:defRPr/>
-            </a:lvl7pPr>
-            <a:lvl8pPr lvl="7">
-              <a:buNone/>
-              <a:defRPr/>
-            </a:lvl8pPr>
-            <a:lvl9pPr lvl="8">
-              <a:buNone/>
-              <a:defRPr/>
-            </a:lvl9pPr>
-          </a:lstStyle>
-          <a:p>
-            <a:pPr marL="0" lvl="0" indent="0" algn="r" rtl="0">
-              <a:spcBef>
-                <a:spcPts val="0"/>
-              </a:spcBef>
-              <a:spcAft>
-                <a:spcPts val="0"/>
-              </a:spcAft>
-              <a:buNone/>
-            </a:pPr>
-            <a:fld id="{00000000-1234-1234-1234-123412341234}" type="slidenum">
-              <a:rPr lang="ko"/>
-              <a:t>‹#›</a:t>
-            </a:fld>
-            <a:endParaRPr/>
-          </a:p>
-        </p:txBody>
-      </p:sp>
-    </p:spTree>
-  </p:cSld>
-  <p:clrMapOvr>
-    <a:masterClrMapping/>
-  </p:clrMapOvr>
-</p:sldLayout>
-</file>
-
-<file path=ppt/slideLayouts/slideLayout11.xml><?xml version="1.0" encoding="utf-8"?>
 <p:sldLayout xmlns:a="http://schemas.openxmlformats.org/drawingml/2006/main" xmlns:r="http://schemas.openxmlformats.org/officeDocument/2006/relationships" xmlns:p="http://schemas.openxmlformats.org/presentationml/2006/main" matchingName="Blank" type="blank">
   <p:cSld name="BLANK">
     <p:spTree>
@@ -2297,239 +1934,6 @@
 </file>
 
 <file path=ppt/slideLayouts/slideLayout2.xml><?xml version="1.0" encoding="utf-8"?>
-<p:sldLayout xmlns:a="http://schemas.openxmlformats.org/drawingml/2006/main" xmlns:r="http://schemas.openxmlformats.org/officeDocument/2006/relationships" xmlns:p="http://schemas.openxmlformats.org/presentationml/2006/main" matchingName="Section header" type="secHead">
-  <p:cSld name="SECTION_HEADER">
-    <p:spTree>
-      <p:nvGrpSpPr>
-        <p:cNvPr id="1" name="Shape 13"/>
-        <p:cNvGrpSpPr/>
-        <p:nvPr/>
-      </p:nvGrpSpPr>
-      <p:grpSpPr>
-        <a:xfrm>
-          <a:off x="0" y="0"/>
-          <a:ext cx="0" cy="0"/>
-          <a:chOff x="0" y="0"/>
-          <a:chExt cx="0" cy="0"/>
-        </a:xfrm>
-      </p:grpSpPr>
-      <p:sp>
-        <p:nvSpPr>
-          <p:cNvPr id="14" name="Google Shape;14;p3"/>
-          <p:cNvSpPr txBox="1">
-            <a:spLocks noGrp="1"/>
-          </p:cNvSpPr>
-          <p:nvPr>
-            <p:ph type="title"/>
-          </p:nvPr>
-        </p:nvSpPr>
-        <p:spPr>
-          <a:xfrm>
-            <a:off x="311700" y="2150850"/>
-            <a:ext cx="8520600" cy="841800"/>
-          </a:xfrm>
-          <a:prstGeom prst="rect">
-            <a:avLst/>
-          </a:prstGeom>
-        </p:spPr>
-        <p:txBody>
-          <a:bodyPr spcFirstLastPara="1" wrap="square" lIns="91425" tIns="91425" rIns="91425" bIns="91425" anchor="ctr" anchorCtr="0">
-            <a:normAutofit/>
-          </a:bodyPr>
-          <a:lstStyle>
-            <a:lvl1pPr lvl="0" algn="ctr">
-              <a:spcBef>
-                <a:spcPts val="0"/>
-              </a:spcBef>
-              <a:spcAft>
-                <a:spcPts val="0"/>
-              </a:spcAft>
-              <a:buSzPts val="3600"/>
-              <a:buNone/>
-              <a:defRPr sz="3600"/>
-            </a:lvl1pPr>
-            <a:lvl2pPr lvl="1" algn="ctr">
-              <a:spcBef>
-                <a:spcPts val="0"/>
-              </a:spcBef>
-              <a:spcAft>
-                <a:spcPts val="0"/>
-              </a:spcAft>
-              <a:buSzPts val="3600"/>
-              <a:buNone/>
-              <a:defRPr sz="3600"/>
-            </a:lvl2pPr>
-            <a:lvl3pPr lvl="2" algn="ctr">
-              <a:spcBef>
-                <a:spcPts val="0"/>
-              </a:spcBef>
-              <a:spcAft>
-                <a:spcPts val="0"/>
-              </a:spcAft>
-              <a:buSzPts val="3600"/>
-              <a:buNone/>
-              <a:defRPr sz="3600"/>
-            </a:lvl3pPr>
-            <a:lvl4pPr lvl="3" algn="ctr">
-              <a:spcBef>
-                <a:spcPts val="0"/>
-              </a:spcBef>
-              <a:spcAft>
-                <a:spcPts val="0"/>
-              </a:spcAft>
-              <a:buSzPts val="3600"/>
-              <a:buNone/>
-              <a:defRPr sz="3600"/>
-            </a:lvl4pPr>
-            <a:lvl5pPr lvl="4" algn="ctr">
-              <a:spcBef>
-                <a:spcPts val="0"/>
-              </a:spcBef>
-              <a:spcAft>
-                <a:spcPts val="0"/>
-              </a:spcAft>
-              <a:buSzPts val="3600"/>
-              <a:buNone/>
-              <a:defRPr sz="3600"/>
-            </a:lvl5pPr>
-            <a:lvl6pPr lvl="5" algn="ctr">
-              <a:spcBef>
-                <a:spcPts val="0"/>
-              </a:spcBef>
-              <a:spcAft>
-                <a:spcPts val="0"/>
-              </a:spcAft>
-              <a:buSzPts val="3600"/>
-              <a:buNone/>
-              <a:defRPr sz="3600"/>
-            </a:lvl6pPr>
-            <a:lvl7pPr lvl="6" algn="ctr">
-              <a:spcBef>
-                <a:spcPts val="0"/>
-              </a:spcBef>
-              <a:spcAft>
-                <a:spcPts val="0"/>
-              </a:spcAft>
-              <a:buSzPts val="3600"/>
-              <a:buNone/>
-              <a:defRPr sz="3600"/>
-            </a:lvl7pPr>
-            <a:lvl8pPr lvl="7" algn="ctr">
-              <a:spcBef>
-                <a:spcPts val="0"/>
-              </a:spcBef>
-              <a:spcAft>
-                <a:spcPts val="0"/>
-              </a:spcAft>
-              <a:buSzPts val="3600"/>
-              <a:buNone/>
-              <a:defRPr sz="3600"/>
-            </a:lvl8pPr>
-            <a:lvl9pPr lvl="8" algn="ctr">
-              <a:spcBef>
-                <a:spcPts val="0"/>
-              </a:spcBef>
-              <a:spcAft>
-                <a:spcPts val="0"/>
-              </a:spcAft>
-              <a:buSzPts val="3600"/>
-              <a:buNone/>
-              <a:defRPr sz="3600"/>
-            </a:lvl9pPr>
-          </a:lstStyle>
-          <a:p>
-            <a:endParaRPr/>
-          </a:p>
-        </p:txBody>
-      </p:sp>
-      <p:sp>
-        <p:nvSpPr>
-          <p:cNvPr id="15" name="Google Shape;15;p3"/>
-          <p:cNvSpPr txBox="1">
-            <a:spLocks noGrp="1"/>
-          </p:cNvSpPr>
-          <p:nvPr>
-            <p:ph type="sldNum" idx="12"/>
-          </p:nvPr>
-        </p:nvSpPr>
-        <p:spPr>
-          <a:xfrm>
-            <a:off x="8472458" y="4663217"/>
-            <a:ext cx="548700" cy="393600"/>
-          </a:xfrm>
-          <a:prstGeom prst="rect">
-            <a:avLst/>
-          </a:prstGeom>
-        </p:spPr>
-        <p:txBody>
-          <a:bodyPr spcFirstLastPara="1" wrap="square" lIns="91425" tIns="91425" rIns="91425" bIns="91425" anchor="ctr" anchorCtr="0">
-            <a:normAutofit/>
-          </a:bodyPr>
-          <a:lstStyle>
-            <a:lvl1pPr lvl="0">
-              <a:buNone/>
-              <a:defRPr/>
-            </a:lvl1pPr>
-            <a:lvl2pPr lvl="1">
-              <a:buNone/>
-              <a:defRPr/>
-            </a:lvl2pPr>
-            <a:lvl3pPr lvl="2">
-              <a:buNone/>
-              <a:defRPr/>
-            </a:lvl3pPr>
-            <a:lvl4pPr lvl="3">
-              <a:buNone/>
-              <a:defRPr/>
-            </a:lvl4pPr>
-            <a:lvl5pPr lvl="4">
-              <a:buNone/>
-              <a:defRPr/>
-            </a:lvl5pPr>
-            <a:lvl6pPr lvl="5">
-              <a:buNone/>
-              <a:defRPr/>
-            </a:lvl6pPr>
-            <a:lvl7pPr lvl="6">
-              <a:buNone/>
-              <a:defRPr/>
-            </a:lvl7pPr>
-            <a:lvl8pPr lvl="7">
-              <a:buNone/>
-              <a:defRPr/>
-            </a:lvl8pPr>
-            <a:lvl9pPr lvl="8">
-              <a:buNone/>
-              <a:defRPr/>
-            </a:lvl9pPr>
-          </a:lstStyle>
-          <a:p>
-            <a:pPr marL="0" lvl="0" indent="0" algn="r" rtl="0">
-              <a:spcBef>
-                <a:spcPts val="0"/>
-              </a:spcBef>
-              <a:spcAft>
-                <a:spcPts val="0"/>
-              </a:spcAft>
-              <a:buNone/>
-            </a:pPr>
-            <a:fld id="{00000000-1234-1234-1234-123412341234}" type="slidenum">
-              <a:rPr lang="ko"/>
-              <a:t>‹#›</a:t>
-            </a:fld>
-            <a:endParaRPr/>
-          </a:p>
-        </p:txBody>
-      </p:sp>
-    </p:spTree>
-  </p:cSld>
-  <p:clrMapOvr>
-    <a:masterClrMapping/>
-  </p:clrMapOvr>
-</p:sldLayout>
-</file>
-
-<file path=ppt/slideLayouts/slideLayout3.xml><?xml version="1.0" encoding="utf-8"?>
 <p:sldLayout xmlns:a="http://schemas.openxmlformats.org/drawingml/2006/main" xmlns:r="http://schemas.openxmlformats.org/officeDocument/2006/relationships" xmlns:p="http://schemas.openxmlformats.org/presentationml/2006/main" matchingName="Title and body" type="tx">
   <p:cSld name="TITLE_AND_BODY">
     <p:spTree>
@@ -2891,7 +2295,7 @@
 </p:sldLayout>
 </file>
 
-<file path=ppt/slideLayouts/slideLayout4.xml><?xml version="1.0" encoding="utf-8"?>
+<file path=ppt/slideLayouts/slideLayout3.xml><?xml version="1.0" encoding="utf-8"?>
 <p:sldLayout xmlns:a="http://schemas.openxmlformats.org/drawingml/2006/main" xmlns:r="http://schemas.openxmlformats.org/officeDocument/2006/relationships" xmlns:p="http://schemas.openxmlformats.org/presentationml/2006/main" matchingName="Title and two columns" type="twoColTx">
   <p:cSld name="TITLE_AND_TWO_COLUMNS">
     <p:spTree>
@@ -3382,7 +2786,7 @@
 </p:sldLayout>
 </file>
 
-<file path=ppt/slideLayouts/slideLayout5.xml><?xml version="1.0" encoding="utf-8"?>
+<file path=ppt/slideLayouts/slideLayout4.xml><?xml version="1.0" encoding="utf-8"?>
 <p:sldLayout xmlns:a="http://schemas.openxmlformats.org/drawingml/2006/main" xmlns:r="http://schemas.openxmlformats.org/officeDocument/2006/relationships" xmlns:p="http://schemas.openxmlformats.org/presentationml/2006/main" matchingName="Title only" type="titleOnly">
   <p:cSld name="TITLE_ONLY">
     <p:spTree>
@@ -3615,7 +3019,7 @@
 </p:sldLayout>
 </file>
 
-<file path=ppt/slideLayouts/slideLayout6.xml><?xml version="1.0" encoding="utf-8"?>
+<file path=ppt/slideLayouts/slideLayout5.xml><?xml version="1.0" encoding="utf-8"?>
 <p:sldLayout xmlns:a="http://schemas.openxmlformats.org/drawingml/2006/main" xmlns:r="http://schemas.openxmlformats.org/officeDocument/2006/relationships" xmlns:p="http://schemas.openxmlformats.org/presentationml/2006/main" matchingName="One column text">
   <p:cSld name="ONE_COLUMN_TEXT">
     <p:spTree>
@@ -3977,7 +3381,7 @@
 </p:sldLayout>
 </file>
 
-<file path=ppt/slideLayouts/slideLayout7.xml><?xml version="1.0" encoding="utf-8"?>
+<file path=ppt/slideLayouts/slideLayout6.xml><?xml version="1.0" encoding="utf-8"?>
 <p:sldLayout xmlns:a="http://schemas.openxmlformats.org/drawingml/2006/main" xmlns:r="http://schemas.openxmlformats.org/officeDocument/2006/relationships" xmlns:p="http://schemas.openxmlformats.org/presentationml/2006/main" matchingName="Main point">
   <p:cSld name="MAIN_POINT">
     <p:spTree>
@@ -4210,7 +3614,7 @@
 </p:sldLayout>
 </file>
 
-<file path=ppt/slideLayouts/slideLayout8.xml><?xml version="1.0" encoding="utf-8"?>
+<file path=ppt/slideLayouts/slideLayout7.xml><?xml version="1.0" encoding="utf-8"?>
 <p:sldLayout xmlns:a="http://schemas.openxmlformats.org/drawingml/2006/main" xmlns:r="http://schemas.openxmlformats.org/officeDocument/2006/relationships" xmlns:p="http://schemas.openxmlformats.org/presentationml/2006/main" matchingName="Section title and description">
   <p:cSld name="SECTION_TITLE_AND_DESCRIPTION">
     <p:spTree>
@@ -4768,7 +4172,7 @@
 </p:sldLayout>
 </file>
 
-<file path=ppt/slideLayouts/slideLayout9.xml><?xml version="1.0" encoding="utf-8"?>
+<file path=ppt/slideLayouts/slideLayout8.xml><?xml version="1.0" encoding="utf-8"?>
 <p:sldLayout xmlns:a="http://schemas.openxmlformats.org/drawingml/2006/main" xmlns:r="http://schemas.openxmlformats.org/officeDocument/2006/relationships" xmlns:p="http://schemas.openxmlformats.org/presentationml/2006/main" matchingName="Caption">
   <p:cSld name="CAPTION_ONLY">
     <p:spTree>
@@ -4832,6 +4236,370 @@
       <p:sp>
         <p:nvSpPr>
           <p:cNvPr id="43" name="Google Shape;43;p10"/>
+          <p:cNvSpPr txBox="1">
+            <a:spLocks noGrp="1"/>
+          </p:cNvSpPr>
+          <p:nvPr>
+            <p:ph type="sldNum" idx="12"/>
+          </p:nvPr>
+        </p:nvSpPr>
+        <p:spPr>
+          <a:xfrm>
+            <a:off x="8472458" y="4663217"/>
+            <a:ext cx="548700" cy="393600"/>
+          </a:xfrm>
+          <a:prstGeom prst="rect">
+            <a:avLst/>
+          </a:prstGeom>
+        </p:spPr>
+        <p:txBody>
+          <a:bodyPr spcFirstLastPara="1" wrap="square" lIns="91425" tIns="91425" rIns="91425" bIns="91425" anchor="ctr" anchorCtr="0">
+            <a:normAutofit/>
+          </a:bodyPr>
+          <a:lstStyle>
+            <a:lvl1pPr lvl="0">
+              <a:buNone/>
+              <a:defRPr/>
+            </a:lvl1pPr>
+            <a:lvl2pPr lvl="1">
+              <a:buNone/>
+              <a:defRPr/>
+            </a:lvl2pPr>
+            <a:lvl3pPr lvl="2">
+              <a:buNone/>
+              <a:defRPr/>
+            </a:lvl3pPr>
+            <a:lvl4pPr lvl="3">
+              <a:buNone/>
+              <a:defRPr/>
+            </a:lvl4pPr>
+            <a:lvl5pPr lvl="4">
+              <a:buNone/>
+              <a:defRPr/>
+            </a:lvl5pPr>
+            <a:lvl6pPr lvl="5">
+              <a:buNone/>
+              <a:defRPr/>
+            </a:lvl6pPr>
+            <a:lvl7pPr lvl="6">
+              <a:buNone/>
+              <a:defRPr/>
+            </a:lvl7pPr>
+            <a:lvl8pPr lvl="7">
+              <a:buNone/>
+              <a:defRPr/>
+            </a:lvl8pPr>
+            <a:lvl9pPr lvl="8">
+              <a:buNone/>
+              <a:defRPr/>
+            </a:lvl9pPr>
+          </a:lstStyle>
+          <a:p>
+            <a:pPr marL="0" lvl="0" indent="0" algn="r" rtl="0">
+              <a:spcBef>
+                <a:spcPts val="0"/>
+              </a:spcBef>
+              <a:spcAft>
+                <a:spcPts val="0"/>
+              </a:spcAft>
+              <a:buNone/>
+            </a:pPr>
+            <a:fld id="{00000000-1234-1234-1234-123412341234}" type="slidenum">
+              <a:rPr lang="ko"/>
+              <a:t>‹#›</a:t>
+            </a:fld>
+            <a:endParaRPr/>
+          </a:p>
+        </p:txBody>
+      </p:sp>
+    </p:spTree>
+  </p:cSld>
+  <p:clrMapOvr>
+    <a:masterClrMapping/>
+  </p:clrMapOvr>
+</p:sldLayout>
+</file>
+
+<file path=ppt/slideLayouts/slideLayout9.xml><?xml version="1.0" encoding="utf-8"?>
+<p:sldLayout xmlns:a="http://schemas.openxmlformats.org/drawingml/2006/main" xmlns:r="http://schemas.openxmlformats.org/officeDocument/2006/relationships" xmlns:p="http://schemas.openxmlformats.org/presentationml/2006/main" matchingName="Big number">
+  <p:cSld name="BIG_NUMBER">
+    <p:spTree>
+      <p:nvGrpSpPr>
+        <p:cNvPr id="1" name="Shape 44"/>
+        <p:cNvGrpSpPr/>
+        <p:nvPr/>
+      </p:nvGrpSpPr>
+      <p:grpSpPr>
+        <a:xfrm>
+          <a:off x="0" y="0"/>
+          <a:ext cx="0" cy="0"/>
+          <a:chOff x="0" y="0"/>
+          <a:chExt cx="0" cy="0"/>
+        </a:xfrm>
+      </p:grpSpPr>
+      <p:sp>
+        <p:nvSpPr>
+          <p:cNvPr id="45" name="Google Shape;45;p11"/>
+          <p:cNvSpPr txBox="1">
+            <a:spLocks noGrp="1"/>
+          </p:cNvSpPr>
+          <p:nvPr>
+            <p:ph type="title" hasCustomPrompt="1"/>
+          </p:nvPr>
+        </p:nvSpPr>
+        <p:spPr>
+          <a:xfrm>
+            <a:off x="311700" y="1106125"/>
+            <a:ext cx="8520600" cy="1963500"/>
+          </a:xfrm>
+          <a:prstGeom prst="rect">
+            <a:avLst/>
+          </a:prstGeom>
+        </p:spPr>
+        <p:txBody>
+          <a:bodyPr spcFirstLastPara="1" wrap="square" lIns="91425" tIns="91425" rIns="91425" bIns="91425" anchor="b" anchorCtr="0">
+            <a:normAutofit/>
+          </a:bodyPr>
+          <a:lstStyle>
+            <a:lvl1pPr lvl="0" algn="ctr">
+              <a:spcBef>
+                <a:spcPts val="0"/>
+              </a:spcBef>
+              <a:spcAft>
+                <a:spcPts val="0"/>
+              </a:spcAft>
+              <a:buSzPts val="12000"/>
+              <a:buNone/>
+              <a:defRPr sz="12000"/>
+            </a:lvl1pPr>
+            <a:lvl2pPr lvl="1" algn="ctr">
+              <a:spcBef>
+                <a:spcPts val="0"/>
+              </a:spcBef>
+              <a:spcAft>
+                <a:spcPts val="0"/>
+              </a:spcAft>
+              <a:buSzPts val="12000"/>
+              <a:buNone/>
+              <a:defRPr sz="12000"/>
+            </a:lvl2pPr>
+            <a:lvl3pPr lvl="2" algn="ctr">
+              <a:spcBef>
+                <a:spcPts val="0"/>
+              </a:spcBef>
+              <a:spcAft>
+                <a:spcPts val="0"/>
+              </a:spcAft>
+              <a:buSzPts val="12000"/>
+              <a:buNone/>
+              <a:defRPr sz="12000"/>
+            </a:lvl3pPr>
+            <a:lvl4pPr lvl="3" algn="ctr">
+              <a:spcBef>
+                <a:spcPts val="0"/>
+              </a:spcBef>
+              <a:spcAft>
+                <a:spcPts val="0"/>
+              </a:spcAft>
+              <a:buSzPts val="12000"/>
+              <a:buNone/>
+              <a:defRPr sz="12000"/>
+            </a:lvl4pPr>
+            <a:lvl5pPr lvl="4" algn="ctr">
+              <a:spcBef>
+                <a:spcPts val="0"/>
+              </a:spcBef>
+              <a:spcAft>
+                <a:spcPts val="0"/>
+              </a:spcAft>
+              <a:buSzPts val="12000"/>
+              <a:buNone/>
+              <a:defRPr sz="12000"/>
+            </a:lvl5pPr>
+            <a:lvl6pPr lvl="5" algn="ctr">
+              <a:spcBef>
+                <a:spcPts val="0"/>
+              </a:spcBef>
+              <a:spcAft>
+                <a:spcPts val="0"/>
+              </a:spcAft>
+              <a:buSzPts val="12000"/>
+              <a:buNone/>
+              <a:defRPr sz="12000"/>
+            </a:lvl6pPr>
+            <a:lvl7pPr lvl="6" algn="ctr">
+              <a:spcBef>
+                <a:spcPts val="0"/>
+              </a:spcBef>
+              <a:spcAft>
+                <a:spcPts val="0"/>
+              </a:spcAft>
+              <a:buSzPts val="12000"/>
+              <a:buNone/>
+              <a:defRPr sz="12000"/>
+            </a:lvl7pPr>
+            <a:lvl8pPr lvl="7" algn="ctr">
+              <a:spcBef>
+                <a:spcPts val="0"/>
+              </a:spcBef>
+              <a:spcAft>
+                <a:spcPts val="0"/>
+              </a:spcAft>
+              <a:buSzPts val="12000"/>
+              <a:buNone/>
+              <a:defRPr sz="12000"/>
+            </a:lvl8pPr>
+            <a:lvl9pPr lvl="8" algn="ctr">
+              <a:spcBef>
+                <a:spcPts val="0"/>
+              </a:spcBef>
+              <a:spcAft>
+                <a:spcPts val="0"/>
+              </a:spcAft>
+              <a:buSzPts val="12000"/>
+              <a:buNone/>
+              <a:defRPr sz="12000"/>
+            </a:lvl9pPr>
+          </a:lstStyle>
+          <a:p>
+            <a:r>
+              <a:t>xx%</a:t>
+            </a:r>
+          </a:p>
+        </p:txBody>
+      </p:sp>
+      <p:sp>
+        <p:nvSpPr>
+          <p:cNvPr id="46" name="Google Shape;46;p11"/>
+          <p:cNvSpPr txBox="1">
+            <a:spLocks noGrp="1"/>
+          </p:cNvSpPr>
+          <p:nvPr>
+            <p:ph type="body" idx="1"/>
+          </p:nvPr>
+        </p:nvSpPr>
+        <p:spPr>
+          <a:xfrm>
+            <a:off x="311700" y="3152225"/>
+            <a:ext cx="8520600" cy="1300800"/>
+          </a:xfrm>
+          <a:prstGeom prst="rect">
+            <a:avLst/>
+          </a:prstGeom>
+        </p:spPr>
+        <p:txBody>
+          <a:bodyPr spcFirstLastPara="1" wrap="square" lIns="91425" tIns="91425" rIns="91425" bIns="91425" anchor="t" anchorCtr="0">
+            <a:normAutofit/>
+          </a:bodyPr>
+          <a:lstStyle>
+            <a:lvl1pPr marL="457200" lvl="0" indent="-342900" algn="ctr">
+              <a:spcBef>
+                <a:spcPts val="0"/>
+              </a:spcBef>
+              <a:spcAft>
+                <a:spcPts val="0"/>
+              </a:spcAft>
+              <a:buSzPts val="1800"/>
+              <a:buChar char="●"/>
+              <a:defRPr/>
+            </a:lvl1pPr>
+            <a:lvl2pPr marL="914400" lvl="1" indent="-317500" algn="ctr">
+              <a:spcBef>
+                <a:spcPts val="0"/>
+              </a:spcBef>
+              <a:spcAft>
+                <a:spcPts val="0"/>
+              </a:spcAft>
+              <a:buSzPts val="1400"/>
+              <a:buChar char="○"/>
+              <a:defRPr/>
+            </a:lvl2pPr>
+            <a:lvl3pPr marL="1371600" lvl="2" indent="-317500" algn="ctr">
+              <a:spcBef>
+                <a:spcPts val="0"/>
+              </a:spcBef>
+              <a:spcAft>
+                <a:spcPts val="0"/>
+              </a:spcAft>
+              <a:buSzPts val="1400"/>
+              <a:buChar char="■"/>
+              <a:defRPr/>
+            </a:lvl3pPr>
+            <a:lvl4pPr marL="1828800" lvl="3" indent="-317500" algn="ctr">
+              <a:spcBef>
+                <a:spcPts val="0"/>
+              </a:spcBef>
+              <a:spcAft>
+                <a:spcPts val="0"/>
+              </a:spcAft>
+              <a:buSzPts val="1400"/>
+              <a:buChar char="●"/>
+              <a:defRPr/>
+            </a:lvl4pPr>
+            <a:lvl5pPr marL="2286000" lvl="4" indent="-317500" algn="ctr">
+              <a:spcBef>
+                <a:spcPts val="0"/>
+              </a:spcBef>
+              <a:spcAft>
+                <a:spcPts val="0"/>
+              </a:spcAft>
+              <a:buSzPts val="1400"/>
+              <a:buChar char="○"/>
+              <a:defRPr/>
+            </a:lvl5pPr>
+            <a:lvl6pPr marL="2743200" lvl="5" indent="-317500" algn="ctr">
+              <a:spcBef>
+                <a:spcPts val="0"/>
+              </a:spcBef>
+              <a:spcAft>
+                <a:spcPts val="0"/>
+              </a:spcAft>
+              <a:buSzPts val="1400"/>
+              <a:buChar char="■"/>
+              <a:defRPr/>
+            </a:lvl6pPr>
+            <a:lvl7pPr marL="3200400" lvl="6" indent="-317500" algn="ctr">
+              <a:spcBef>
+                <a:spcPts val="0"/>
+              </a:spcBef>
+              <a:spcAft>
+                <a:spcPts val="0"/>
+              </a:spcAft>
+              <a:buSzPts val="1400"/>
+              <a:buChar char="●"/>
+              <a:defRPr/>
+            </a:lvl7pPr>
+            <a:lvl8pPr marL="3657600" lvl="7" indent="-317500" algn="ctr">
+              <a:spcBef>
+                <a:spcPts val="0"/>
+              </a:spcBef>
+              <a:spcAft>
+                <a:spcPts val="0"/>
+              </a:spcAft>
+              <a:buSzPts val="1400"/>
+              <a:buChar char="○"/>
+              <a:defRPr/>
+            </a:lvl8pPr>
+            <a:lvl9pPr marL="4114800" lvl="8" indent="-317500" algn="ctr">
+              <a:spcBef>
+                <a:spcPts val="0"/>
+              </a:spcBef>
+              <a:spcAft>
+                <a:spcPts val="0"/>
+              </a:spcAft>
+              <a:buSzPts val="1400"/>
+              <a:buChar char="■"/>
+              <a:defRPr/>
+            </a:lvl9pPr>
+          </a:lstStyle>
+          <a:p>
+            <a:endParaRPr/>
+          </a:p>
+        </p:txBody>
+      </p:sp>
+      <p:sp>
+        <p:nvSpPr>
+          <p:cNvPr id="47" name="Google Shape;47;p11"/>
           <p:cNvSpPr txBox="1">
             <a:spLocks noGrp="1"/>
           </p:cNvSpPr>
@@ -5484,16 +5252,15 @@
   <p:clrMap bg1="lt1" tx1="dk1" bg2="dk2" tx2="lt2" accent1="accent1" accent2="accent2" accent3="accent3" accent4="accent4" accent5="accent5" accent6="accent6" hlink="hlink" folHlink="folHlink"/>
   <p:sldLayoutIdLst>
     <p:sldLayoutId id="2147483648" r:id="rId1"/>
-    <p:sldLayoutId id="2147483649" r:id="rId2"/>
-    <p:sldLayoutId id="2147483650" r:id="rId3"/>
-    <p:sldLayoutId id="2147483651" r:id="rId4"/>
-    <p:sldLayoutId id="2147483652" r:id="rId5"/>
-    <p:sldLayoutId id="2147483653" r:id="rId6"/>
-    <p:sldLayoutId id="2147483654" r:id="rId7"/>
-    <p:sldLayoutId id="2147483655" r:id="rId8"/>
-    <p:sldLayoutId id="2147483656" r:id="rId9"/>
-    <p:sldLayoutId id="2147483657" r:id="rId10"/>
-    <p:sldLayoutId id="2147483658" r:id="rId11"/>
+    <p:sldLayoutId id="2147483650" r:id="rId2"/>
+    <p:sldLayoutId id="2147483651" r:id="rId3"/>
+    <p:sldLayoutId id="2147483652" r:id="rId4"/>
+    <p:sldLayoutId id="2147483653" r:id="rId5"/>
+    <p:sldLayoutId id="2147483654" r:id="rId6"/>
+    <p:sldLayoutId id="2147483655" r:id="rId7"/>
+    <p:sldLayoutId id="2147483656" r:id="rId8"/>
+    <p:sldLayoutId id="2147483657" r:id="rId9"/>
+    <p:sldLayoutId id="2147483658" r:id="rId10"/>
   </p:sldLayoutIdLst>
   <p:hf sldNum="0" hdr="0" ftr="0" dt="0"/>
   <p:txStyles>
@@ -6363,6 +6130,187 @@
   <p:cSld>
     <p:spTree>
       <p:nvGrpSpPr>
+        <p:cNvPr id="1" name="Shape 95"/>
+        <p:cNvGrpSpPr/>
+        <p:nvPr/>
+      </p:nvGrpSpPr>
+      <p:grpSpPr>
+        <a:xfrm>
+          <a:off x="0" y="0"/>
+          <a:ext cx="0" cy="0"/>
+          <a:chOff x="0" y="0"/>
+          <a:chExt cx="0" cy="0"/>
+        </a:xfrm>
+      </p:grpSpPr>
+      <p:sp>
+        <p:nvSpPr>
+          <p:cNvPr id="96" name="Google Shape;96;p19"/>
+          <p:cNvSpPr txBox="1">
+            <a:spLocks noGrp="1"/>
+          </p:cNvSpPr>
+          <p:nvPr>
+            <p:ph type="title"/>
+          </p:nvPr>
+        </p:nvSpPr>
+        <p:spPr>
+          <a:xfrm>
+            <a:off x="311700" y="445025"/>
+            <a:ext cx="8520600" cy="572700"/>
+          </a:xfrm>
+          <a:prstGeom prst="rect">
+            <a:avLst/>
+          </a:prstGeom>
+        </p:spPr>
+        <p:txBody>
+          <a:bodyPr spcFirstLastPara="1" wrap="square" lIns="91425" tIns="91425" rIns="91425" bIns="91425" anchor="t" anchorCtr="0">
+            <a:normAutofit fontScale="90000"/>
+          </a:bodyPr>
+          <a:lstStyle/>
+          <a:p>
+            <a:pPr marL="0" lvl="0" indent="0" algn="l" rtl="0">
+              <a:spcBef>
+                <a:spcPts val="0"/>
+              </a:spcBef>
+              <a:spcAft>
+                <a:spcPts val="0"/>
+              </a:spcAft>
+              <a:buNone/>
+            </a:pPr>
+            <a:endParaRPr/>
+          </a:p>
+        </p:txBody>
+      </p:sp>
+      <p:sp>
+        <p:nvSpPr>
+          <p:cNvPr id="97" name="Google Shape;97;p19"/>
+          <p:cNvSpPr txBox="1">
+            <a:spLocks noGrp="1"/>
+          </p:cNvSpPr>
+          <p:nvPr>
+            <p:ph type="body" idx="1"/>
+          </p:nvPr>
+        </p:nvSpPr>
+        <p:spPr>
+          <a:xfrm>
+            <a:off x="311700" y="1152475"/>
+            <a:ext cx="8520600" cy="3416400"/>
+          </a:xfrm>
+          <a:prstGeom prst="rect">
+            <a:avLst/>
+          </a:prstGeom>
+        </p:spPr>
+        <p:txBody>
+          <a:bodyPr spcFirstLastPara="1" wrap="square" lIns="91425" tIns="91425" rIns="91425" bIns="91425" anchor="t" anchorCtr="0">
+            <a:normAutofit/>
+          </a:bodyPr>
+          <a:lstStyle/>
+          <a:p>
+            <a:pPr marL="0" lvl="0" indent="0" algn="l" rtl="0">
+              <a:spcBef>
+                <a:spcPts val="0"/>
+              </a:spcBef>
+              <a:spcAft>
+                <a:spcPts val="0"/>
+              </a:spcAft>
+              <a:buNone/>
+            </a:pPr>
+            <a:r>
+              <a:rPr lang="ko"/>
+              <a:t>pir 센서를 8번에 연결 - 인풋</a:t>
+            </a:r>
+            <a:endParaRPr/>
+          </a:p>
+          <a:p>
+            <a:pPr marL="0" lvl="0" indent="0" algn="l" rtl="0">
+              <a:spcBef>
+                <a:spcPts val="1200"/>
+              </a:spcBef>
+              <a:spcAft>
+                <a:spcPts val="0"/>
+              </a:spcAft>
+              <a:buNone/>
+            </a:pPr>
+            <a:r>
+              <a:rPr lang="ko"/>
+              <a:t>led를 12번에 연결 - 아웃풋</a:t>
+            </a:r>
+            <a:endParaRPr/>
+          </a:p>
+          <a:p>
+            <a:pPr marL="0" lvl="0" indent="0" algn="l" rtl="0">
+              <a:spcBef>
+                <a:spcPts val="1200"/>
+              </a:spcBef>
+              <a:spcAft>
+                <a:spcPts val="0"/>
+              </a:spcAft>
+              <a:buNone/>
+            </a:pPr>
+            <a:r>
+              <a:rPr lang="ko"/>
+              <a:t>버저를 13번에 연결 - 아웃풋</a:t>
+            </a:r>
+            <a:endParaRPr/>
+          </a:p>
+          <a:p>
+            <a:pPr marL="0" lvl="0" indent="0" algn="l" rtl="0">
+              <a:spcBef>
+                <a:spcPts val="1200"/>
+              </a:spcBef>
+              <a:spcAft>
+                <a:spcPts val="0"/>
+              </a:spcAft>
+              <a:buNone/>
+            </a:pPr>
+            <a:r>
+              <a:rPr lang="ko"/>
+              <a:t>pir센서에서 신호가 들어오면 led가 켜지고 버저가 울림</a:t>
+            </a:r>
+            <a:endParaRPr/>
+          </a:p>
+          <a:p>
+            <a:pPr marL="0" lvl="0" indent="0" algn="l" rtl="0">
+              <a:spcBef>
+                <a:spcPts val="1200"/>
+              </a:spcBef>
+              <a:spcAft>
+                <a:spcPts val="0"/>
+              </a:spcAft>
+              <a:buNone/>
+            </a:pPr>
+            <a:r>
+              <a:rPr lang="ko"/>
+              <a:t>pir센서에서 신호가 끊기면 led가 꺼지고 버저도 멈춤</a:t>
+            </a:r>
+            <a:endParaRPr/>
+          </a:p>
+          <a:p>
+            <a:pPr marL="0" lvl="0" indent="0" algn="l" rtl="0">
+              <a:spcBef>
+                <a:spcPts val="1200"/>
+              </a:spcBef>
+              <a:spcAft>
+                <a:spcPts val="1200"/>
+              </a:spcAft>
+              <a:buNone/>
+            </a:pPr>
+            <a:endParaRPr/>
+          </a:p>
+        </p:txBody>
+      </p:sp>
+    </p:spTree>
+  </p:cSld>
+  <p:clrMapOvr>
+    <a:masterClrMapping/>
+  </p:clrMapOvr>
+</p:sld>
+</file>
+
+<file path=ppt/slides/slide11.xml><?xml version="1.0" encoding="utf-8"?>
+<p:sld xmlns:a="http://schemas.openxmlformats.org/drawingml/2006/main" xmlns:r="http://schemas.openxmlformats.org/officeDocument/2006/relationships" xmlns:p="http://schemas.openxmlformats.org/presentationml/2006/main">
+  <p:cSld>
+    <p:spTree>
+      <p:nvGrpSpPr>
         <p:cNvPr id="1" name=""/>
         <p:cNvGrpSpPr/>
         <p:nvPr/>
@@ -6477,7 +6425,7 @@
 </p:sld>
 </file>
 
-<file path=ppt/slides/slide11.xml><?xml version="1.0" encoding="utf-8"?>
+<file path=ppt/slides/slide12.xml><?xml version="1.0" encoding="utf-8"?>
 <p:sld xmlns:a="http://schemas.openxmlformats.org/drawingml/2006/main" xmlns:r="http://schemas.openxmlformats.org/officeDocument/2006/relationships" xmlns:p="http://schemas.openxmlformats.org/presentationml/2006/main">
   <p:cSld>
     <p:spTree>
@@ -6591,11 +6539,7 @@
             </a:r>
             <a:r>
               <a:rPr lang="ko-KR" altLang="en-US" dirty="0"/>
-              <a:t>정신과 의사와의 협력을 통해 제품을 홍보하고 신뢰성을 높일 </a:t>
-            </a:r>
-            <a:r>
-              <a:rPr lang="ko-KR" altLang="en-US"/>
-              <a:t>수 있음</a:t>
+              <a:t>정신과 의사와의 협력을 통해 제품을 홍보하고 신뢰성을 높일 수 있음</a:t>
             </a:r>
           </a:p>
         </p:txBody>
@@ -6614,6 +6558,216 @@
 </file>
 
 <file path=ppt/slides/slide2.xml><?xml version="1.0" encoding="utf-8"?>
+<p:sld xmlns:a="http://schemas.openxmlformats.org/drawingml/2006/main" xmlns:r="http://schemas.openxmlformats.org/officeDocument/2006/relationships" xmlns:p="http://schemas.openxmlformats.org/presentationml/2006/main">
+  <p:cSld>
+    <p:spTree>
+      <p:nvGrpSpPr>
+        <p:cNvPr id="1" name=""/>
+        <p:cNvGrpSpPr/>
+        <p:nvPr/>
+      </p:nvGrpSpPr>
+      <p:grpSpPr>
+        <a:xfrm>
+          <a:off x="0" y="0"/>
+          <a:ext cx="0" cy="0"/>
+          <a:chOff x="0" y="0"/>
+          <a:chExt cx="0" cy="0"/>
+        </a:xfrm>
+      </p:grpSpPr>
+      <p:sp>
+        <p:nvSpPr>
+          <p:cNvPr id="2" name="제목 1">
+            <a:extLst>
+              <a:ext uri="{FF2B5EF4-FFF2-40B4-BE49-F238E27FC236}">
+                <a16:creationId xmlns:a16="http://schemas.microsoft.com/office/drawing/2014/main" id="{B648884C-EB26-48FA-A5F2-C19CE7AA82DE}"/>
+              </a:ext>
+            </a:extLst>
+          </p:cNvPr>
+          <p:cNvSpPr>
+            <a:spLocks noGrp="1"/>
+          </p:cNvSpPr>
+          <p:nvPr>
+            <p:ph type="title"/>
+          </p:nvPr>
+        </p:nvSpPr>
+        <p:spPr/>
+        <p:txBody>
+          <a:bodyPr>
+            <a:normAutofit fontScale="90000"/>
+          </a:bodyPr>
+          <a:lstStyle/>
+          <a:p>
+            <a:r>
+              <a:rPr lang="ko-KR" altLang="en-US" dirty="0"/>
+              <a:t>역할</a:t>
+            </a:r>
+          </a:p>
+        </p:txBody>
+      </p:sp>
+      <p:sp>
+        <p:nvSpPr>
+          <p:cNvPr id="3" name="텍스트 개체 틀 2">
+            <a:extLst>
+              <a:ext uri="{FF2B5EF4-FFF2-40B4-BE49-F238E27FC236}">
+                <a16:creationId xmlns:a16="http://schemas.microsoft.com/office/drawing/2014/main" id="{9E70EF2A-89E5-4203-A3AD-5F8D4FF21DB5}"/>
+              </a:ext>
+            </a:extLst>
+          </p:cNvPr>
+          <p:cNvSpPr>
+            <a:spLocks noGrp="1"/>
+          </p:cNvSpPr>
+          <p:nvPr>
+            <p:ph type="body" idx="1"/>
+          </p:nvPr>
+        </p:nvSpPr>
+        <p:spPr/>
+        <p:txBody>
+          <a:bodyPr/>
+          <a:lstStyle/>
+          <a:p>
+            <a:r>
+              <a:rPr lang="ko-KR" altLang="en-US" dirty="0" err="1"/>
+              <a:t>박해온</a:t>
+            </a:r>
+            <a:r>
+              <a:rPr lang="en-US" altLang="ko-KR" dirty="0"/>
+              <a:t>- </a:t>
+            </a:r>
+            <a:r>
+              <a:rPr lang="ko-KR" altLang="en-US" dirty="0"/>
+              <a:t>코드 개발</a:t>
+            </a:r>
+            <a:r>
+              <a:rPr lang="en-US" altLang="ko-KR" dirty="0"/>
+              <a:t>,</a:t>
+            </a:r>
+            <a:r>
+              <a:rPr lang="ko-KR" altLang="en-US" dirty="0"/>
+              <a:t> 사진 촬영</a:t>
+            </a:r>
+            <a:r>
+              <a:rPr lang="en-US" altLang="ko-KR" dirty="0"/>
+              <a:t>, </a:t>
+            </a:r>
+            <a:r>
+              <a:rPr lang="ko-KR" altLang="en-US" dirty="0"/>
+              <a:t>초기 아이디어 제공</a:t>
+            </a:r>
+            <a:endParaRPr lang="en-US" altLang="ko-KR" dirty="0"/>
+          </a:p>
+          <a:p>
+            <a:endParaRPr lang="en-US" altLang="ko-KR" dirty="0"/>
+          </a:p>
+          <a:p>
+            <a:r>
+              <a:rPr lang="ko-KR" altLang="en-US" dirty="0"/>
+              <a:t>심민준</a:t>
+            </a:r>
+            <a:r>
+              <a:rPr lang="en-US" altLang="ko-KR" dirty="0"/>
+              <a:t>- </a:t>
+            </a:r>
+            <a:r>
+              <a:rPr lang="ko-KR" altLang="en-US" dirty="0"/>
+              <a:t>코드 개발</a:t>
+            </a:r>
+            <a:r>
+              <a:rPr lang="en-US" altLang="ko-KR" dirty="0"/>
+              <a:t>,</a:t>
+            </a:r>
+            <a:r>
+              <a:rPr lang="ko-KR" altLang="en-US" dirty="0"/>
+              <a:t> 연기</a:t>
+            </a:r>
+            <a:r>
+              <a:rPr lang="en-US" altLang="ko-KR" dirty="0"/>
+              <a:t>, </a:t>
+            </a:r>
+            <a:r>
+              <a:rPr lang="ko-KR" altLang="en-US" dirty="0" err="1"/>
+              <a:t>아두이노</a:t>
+            </a:r>
+            <a:r>
+              <a:rPr lang="ko-KR" altLang="en-US" dirty="0"/>
+              <a:t> 조립</a:t>
+            </a:r>
+            <a:endParaRPr lang="en-US" altLang="ko-KR" dirty="0"/>
+          </a:p>
+          <a:p>
+            <a:endParaRPr lang="en-US" altLang="ko-KR" dirty="0"/>
+          </a:p>
+          <a:p>
+            <a:r>
+              <a:rPr lang="ko-KR" altLang="en-US" dirty="0"/>
+              <a:t>이동하</a:t>
+            </a:r>
+            <a:r>
+              <a:rPr lang="en-US" altLang="ko-KR" dirty="0"/>
+              <a:t>- </a:t>
+            </a:r>
+            <a:r>
+              <a:rPr lang="ko-KR" altLang="en-US" dirty="0"/>
+              <a:t>사업 가능성 및 확장 방향성 아이디어 제공</a:t>
+            </a:r>
+            <a:endParaRPr lang="en-US" altLang="ko-KR" dirty="0"/>
+          </a:p>
+          <a:p>
+            <a:endParaRPr lang="en-US" altLang="ko-KR" dirty="0"/>
+          </a:p>
+          <a:p>
+            <a:r>
+              <a:rPr lang="ko-KR" altLang="en-US" dirty="0" err="1"/>
+              <a:t>최윤후</a:t>
+            </a:r>
+            <a:r>
+              <a:rPr lang="en-US" altLang="ko-KR" dirty="0"/>
+              <a:t>- </a:t>
+            </a:r>
+            <a:r>
+              <a:rPr lang="ko-KR" altLang="en-US" dirty="0"/>
+              <a:t>코드 개발</a:t>
+            </a:r>
+            <a:r>
+              <a:rPr lang="en-US" altLang="ko-KR" dirty="0"/>
+              <a:t>, </a:t>
+            </a:r>
+            <a:r>
+              <a:rPr lang="ko-KR" altLang="en-US" dirty="0"/>
+              <a:t>연기</a:t>
+            </a:r>
+            <a:r>
+              <a:rPr lang="en-US" altLang="ko-KR" dirty="0"/>
+              <a:t>, </a:t>
+            </a:r>
+            <a:r>
+              <a:rPr lang="ko-KR" altLang="en-US" dirty="0"/>
+              <a:t>사업가능성</a:t>
+            </a:r>
+            <a:r>
+              <a:rPr lang="en-US" altLang="ko-KR" dirty="0"/>
+              <a:t>,</a:t>
+            </a:r>
+            <a:r>
+              <a:rPr lang="ko-KR" altLang="en-US" dirty="0"/>
+              <a:t>확장 방향성 아이디어 제공</a:t>
+            </a:r>
+          </a:p>
+        </p:txBody>
+      </p:sp>
+    </p:spTree>
+    <p:extLst>
+      <p:ext uri="{BB962C8B-B14F-4D97-AF65-F5344CB8AC3E}">
+        <p14:creationId xmlns:p14="http://schemas.microsoft.com/office/powerpoint/2010/main" val="1098322975"/>
+      </p:ext>
+    </p:extLst>
+  </p:cSld>
+  <p:clrMapOvr>
+    <a:masterClrMapping/>
+  </p:clrMapOvr>
+</p:sld>
+</file>
+
+<file path=ppt/slides/slide3.xml><?xml version="1.0" encoding="utf-8"?>
 <p:sld xmlns:a="http://schemas.openxmlformats.org/drawingml/2006/main" xmlns:r="http://schemas.openxmlformats.org/officeDocument/2006/relationships" xmlns:p="http://schemas.openxmlformats.org/presentationml/2006/main">
   <p:cSld>
     <p:spTree>
@@ -6747,7 +6901,7 @@
 </p:sld>
 </file>
 
-<file path=ppt/slides/slide3.xml><?xml version="1.0" encoding="utf-8"?>
+<file path=ppt/slides/slide4.xml><?xml version="1.0" encoding="utf-8"?>
 <p:sld xmlns:a="http://schemas.openxmlformats.org/drawingml/2006/main" xmlns:r="http://schemas.openxmlformats.org/officeDocument/2006/relationships" xmlns:p="http://schemas.openxmlformats.org/presentationml/2006/main">
   <p:cSld>
     <p:spTree>
@@ -6866,7 +7020,7 @@
 </p:sld>
 </file>
 
-<file path=ppt/slides/slide4.xml><?xml version="1.0" encoding="utf-8"?>
+<file path=ppt/slides/slide5.xml><?xml version="1.0" encoding="utf-8"?>
 <p:sld xmlns:a="http://schemas.openxmlformats.org/drawingml/2006/main" xmlns:r="http://schemas.openxmlformats.org/officeDocument/2006/relationships" xmlns:p="http://schemas.openxmlformats.org/presentationml/2006/main">
   <p:cSld>
     <p:spTree>
@@ -7080,7 +7234,7 @@
 </p:sld>
 </file>
 
-<file path=ppt/slides/slide5.xml><?xml version="1.0" encoding="utf-8"?>
+<file path=ppt/slides/slide6.xml><?xml version="1.0" encoding="utf-8"?>
 <p:sld xmlns:a="http://schemas.openxmlformats.org/drawingml/2006/main" xmlns:r="http://schemas.openxmlformats.org/officeDocument/2006/relationships" xmlns:p="http://schemas.openxmlformats.org/presentationml/2006/main">
   <p:cSld>
     <p:spTree>
@@ -7294,7 +7448,7 @@
 </p:sld>
 </file>
 
-<file path=ppt/slides/slide6.xml><?xml version="1.0" encoding="utf-8"?>
+<file path=ppt/slides/slide7.xml><?xml version="1.0" encoding="utf-8"?>
 <p:sld xmlns:a="http://schemas.openxmlformats.org/drawingml/2006/main" xmlns:r="http://schemas.openxmlformats.org/officeDocument/2006/relationships" xmlns:p="http://schemas.openxmlformats.org/presentationml/2006/main">
   <p:cSld>
     <p:spTree>
@@ -7430,7 +7584,7 @@
 </p:sld>
 </file>
 
-<file path=ppt/slides/slide7.xml><?xml version="1.0" encoding="utf-8"?>
+<file path=ppt/slides/slide8.xml><?xml version="1.0" encoding="utf-8"?>
 <p:sld xmlns:a="http://schemas.openxmlformats.org/drawingml/2006/main" xmlns:r="http://schemas.openxmlformats.org/officeDocument/2006/relationships" xmlns:p="http://schemas.openxmlformats.org/presentationml/2006/main">
   <p:cSld>
     <p:spTree>
@@ -7559,7 +7713,7 @@
 </p:sld>
 </file>
 
-<file path=ppt/slides/slide8.xml><?xml version="1.0" encoding="utf-8"?>
+<file path=ppt/slides/slide9.xml><?xml version="1.0" encoding="utf-8"?>
 <p:sld xmlns:a="http://schemas.openxmlformats.org/drawingml/2006/main" xmlns:r="http://schemas.openxmlformats.org/officeDocument/2006/relationships" xmlns:p="http://schemas.openxmlformats.org/presentationml/2006/main">
   <p:cSld>
     <p:spTree>
@@ -7680,187 +7834,6 @@
           </a:ln>
         </p:spPr>
       </p:pic>
-    </p:spTree>
-  </p:cSld>
-  <p:clrMapOvr>
-    <a:masterClrMapping/>
-  </p:clrMapOvr>
-</p:sld>
-</file>
-
-<file path=ppt/slides/slide9.xml><?xml version="1.0" encoding="utf-8"?>
-<p:sld xmlns:a="http://schemas.openxmlformats.org/drawingml/2006/main" xmlns:r="http://schemas.openxmlformats.org/officeDocument/2006/relationships" xmlns:p="http://schemas.openxmlformats.org/presentationml/2006/main">
-  <p:cSld>
-    <p:spTree>
-      <p:nvGrpSpPr>
-        <p:cNvPr id="1" name="Shape 95"/>
-        <p:cNvGrpSpPr/>
-        <p:nvPr/>
-      </p:nvGrpSpPr>
-      <p:grpSpPr>
-        <a:xfrm>
-          <a:off x="0" y="0"/>
-          <a:ext cx="0" cy="0"/>
-          <a:chOff x="0" y="0"/>
-          <a:chExt cx="0" cy="0"/>
-        </a:xfrm>
-      </p:grpSpPr>
-      <p:sp>
-        <p:nvSpPr>
-          <p:cNvPr id="96" name="Google Shape;96;p19"/>
-          <p:cNvSpPr txBox="1">
-            <a:spLocks noGrp="1"/>
-          </p:cNvSpPr>
-          <p:nvPr>
-            <p:ph type="title"/>
-          </p:nvPr>
-        </p:nvSpPr>
-        <p:spPr>
-          <a:xfrm>
-            <a:off x="311700" y="445025"/>
-            <a:ext cx="8520600" cy="572700"/>
-          </a:xfrm>
-          <a:prstGeom prst="rect">
-            <a:avLst/>
-          </a:prstGeom>
-        </p:spPr>
-        <p:txBody>
-          <a:bodyPr spcFirstLastPara="1" wrap="square" lIns="91425" tIns="91425" rIns="91425" bIns="91425" anchor="t" anchorCtr="0">
-            <a:normAutofit fontScale="90000"/>
-          </a:bodyPr>
-          <a:lstStyle/>
-          <a:p>
-            <a:pPr marL="0" lvl="0" indent="0" algn="l" rtl="0">
-              <a:spcBef>
-                <a:spcPts val="0"/>
-              </a:spcBef>
-              <a:spcAft>
-                <a:spcPts val="0"/>
-              </a:spcAft>
-              <a:buNone/>
-            </a:pPr>
-            <a:endParaRPr/>
-          </a:p>
-        </p:txBody>
-      </p:sp>
-      <p:sp>
-        <p:nvSpPr>
-          <p:cNvPr id="97" name="Google Shape;97;p19"/>
-          <p:cNvSpPr txBox="1">
-            <a:spLocks noGrp="1"/>
-          </p:cNvSpPr>
-          <p:nvPr>
-            <p:ph type="body" idx="1"/>
-          </p:nvPr>
-        </p:nvSpPr>
-        <p:spPr>
-          <a:xfrm>
-            <a:off x="311700" y="1152475"/>
-            <a:ext cx="8520600" cy="3416400"/>
-          </a:xfrm>
-          <a:prstGeom prst="rect">
-            <a:avLst/>
-          </a:prstGeom>
-        </p:spPr>
-        <p:txBody>
-          <a:bodyPr spcFirstLastPara="1" wrap="square" lIns="91425" tIns="91425" rIns="91425" bIns="91425" anchor="t" anchorCtr="0">
-            <a:normAutofit/>
-          </a:bodyPr>
-          <a:lstStyle/>
-          <a:p>
-            <a:pPr marL="0" lvl="0" indent="0" algn="l" rtl="0">
-              <a:spcBef>
-                <a:spcPts val="0"/>
-              </a:spcBef>
-              <a:spcAft>
-                <a:spcPts val="0"/>
-              </a:spcAft>
-              <a:buNone/>
-            </a:pPr>
-            <a:r>
-              <a:rPr lang="ko"/>
-              <a:t>pir 센서를 8번에 연결 - 인풋</a:t>
-            </a:r>
-            <a:endParaRPr/>
-          </a:p>
-          <a:p>
-            <a:pPr marL="0" lvl="0" indent="0" algn="l" rtl="0">
-              <a:spcBef>
-                <a:spcPts val="1200"/>
-              </a:spcBef>
-              <a:spcAft>
-                <a:spcPts val="0"/>
-              </a:spcAft>
-              <a:buNone/>
-            </a:pPr>
-            <a:r>
-              <a:rPr lang="ko"/>
-              <a:t>led를 12번에 연결 - 아웃풋</a:t>
-            </a:r>
-            <a:endParaRPr/>
-          </a:p>
-          <a:p>
-            <a:pPr marL="0" lvl="0" indent="0" algn="l" rtl="0">
-              <a:spcBef>
-                <a:spcPts val="1200"/>
-              </a:spcBef>
-              <a:spcAft>
-                <a:spcPts val="0"/>
-              </a:spcAft>
-              <a:buNone/>
-            </a:pPr>
-            <a:r>
-              <a:rPr lang="ko"/>
-              <a:t>버저를 13번에 연결 - 아웃풋</a:t>
-            </a:r>
-            <a:endParaRPr/>
-          </a:p>
-          <a:p>
-            <a:pPr marL="0" lvl="0" indent="0" algn="l" rtl="0">
-              <a:spcBef>
-                <a:spcPts val="1200"/>
-              </a:spcBef>
-              <a:spcAft>
-                <a:spcPts val="0"/>
-              </a:spcAft>
-              <a:buNone/>
-            </a:pPr>
-            <a:r>
-              <a:rPr lang="ko"/>
-              <a:t>pir센서에서 신호가 들어오면 led가 켜지고 버저가 울림</a:t>
-            </a:r>
-            <a:endParaRPr/>
-          </a:p>
-          <a:p>
-            <a:pPr marL="0" lvl="0" indent="0" algn="l" rtl="0">
-              <a:spcBef>
-                <a:spcPts val="1200"/>
-              </a:spcBef>
-              <a:spcAft>
-                <a:spcPts val="0"/>
-              </a:spcAft>
-              <a:buNone/>
-            </a:pPr>
-            <a:r>
-              <a:rPr lang="ko"/>
-              <a:t>pir센서에서 신호가 끊기면 led가 꺼지고 버저도 멈춤</a:t>
-            </a:r>
-            <a:endParaRPr/>
-          </a:p>
-          <a:p>
-            <a:pPr marL="0" lvl="0" indent="0" algn="l" rtl="0">
-              <a:spcBef>
-                <a:spcPts val="1200"/>
-              </a:spcBef>
-              <a:spcAft>
-                <a:spcPts val="1200"/>
-              </a:spcAft>
-              <a:buNone/>
-            </a:pPr>
-            <a:endParaRPr/>
-          </a:p>
-        </p:txBody>
-      </p:sp>
     </p:spTree>
   </p:cSld>
   <p:clrMapOvr>
